--- a/專案進度報告_陳冠華_20241213.pptx
+++ b/專案進度報告_陳冠華_20241213.pptx
@@ -282,7 +282,7 @@
               <a:rPr lang="zh-TW" altLang="en-US" smtClean="0">
                 <a:ea typeface="標楷體" panose="03000509000000000000" pitchFamily="65" charset="-120"/>
               </a:rPr>
-              <a:t>2024/12/12</a:t>
+              <a:t>2024/12/13</a:t>
             </a:fld>
             <a:endParaRPr lang="zh-TW" altLang="en-US" dirty="0">
               <a:ea typeface="標楷體" panose="03000509000000000000" pitchFamily="65" charset="-120"/>
@@ -460,7 +460,7 @@
             <a:fld id="{2CB905C5-9D54-40E2-B40C-7996280CAB02}" type="datetimeFigureOut">
               <a:rPr lang="zh-TW" altLang="en-US" smtClean="0"/>
               <a:pPr/>
-              <a:t>2024/12/12</a:t>
+              <a:t>2024/12/13</a:t>
             </a:fld>
             <a:endParaRPr lang="zh-TW" altLang="en-US" dirty="0"/>
           </a:p>
@@ -1310,7 +1310,7 @@
           <a:p>
             <a:fld id="{0C0CC965-A63A-473D-BEFB-C8F9714D5269}" type="datetimeFigureOut">
               <a:rPr lang="zh-TW" altLang="en-US" smtClean="0"/>
-              <a:t>2024/12/12</a:t>
+              <a:t>2024/12/13</a:t>
             </a:fld>
             <a:endParaRPr lang="zh-TW" altLang="en-US"/>
           </a:p>
@@ -1478,7 +1478,7 @@
           <a:p>
             <a:fld id="{0C0CC965-A63A-473D-BEFB-C8F9714D5269}" type="datetimeFigureOut">
               <a:rPr lang="zh-TW" altLang="en-US" smtClean="0"/>
-              <a:t>2024/12/12</a:t>
+              <a:t>2024/12/13</a:t>
             </a:fld>
             <a:endParaRPr lang="zh-TW" altLang="en-US"/>
           </a:p>
@@ -1656,7 +1656,7 @@
           <a:p>
             <a:fld id="{0C0CC965-A63A-473D-BEFB-C8F9714D5269}" type="datetimeFigureOut">
               <a:rPr lang="zh-TW" altLang="en-US" smtClean="0"/>
-              <a:t>2024/12/12</a:t>
+              <a:t>2024/12/13</a:t>
             </a:fld>
             <a:endParaRPr lang="zh-TW" altLang="en-US"/>
           </a:p>
@@ -1878,7 +1878,7 @@
           <a:p>
             <a:fld id="{0C0CC965-A63A-473D-BEFB-C8F9714D5269}" type="datetimeFigureOut">
               <a:rPr lang="zh-TW" altLang="en-US" smtClean="0"/>
-              <a:t>2024/12/12</a:t>
+              <a:t>2024/12/13</a:t>
             </a:fld>
             <a:endParaRPr lang="zh-TW" altLang="en-US"/>
           </a:p>
@@ -2073,7 +2073,7 @@
           <a:p>
             <a:fld id="{0C0CC965-A63A-473D-BEFB-C8F9714D5269}" type="datetimeFigureOut">
               <a:rPr lang="zh-TW" altLang="en-US" smtClean="0"/>
-              <a:t>2024/12/12</a:t>
+              <a:t>2024/12/13</a:t>
             </a:fld>
             <a:endParaRPr lang="zh-TW" altLang="en-US"/>
           </a:p>
@@ -2318,7 +2318,7 @@
           <a:p>
             <a:fld id="{0C0CC965-A63A-473D-BEFB-C8F9714D5269}" type="datetimeFigureOut">
               <a:rPr lang="zh-TW" altLang="en-US" smtClean="0"/>
-              <a:t>2024/12/12</a:t>
+              <a:t>2024/12/13</a:t>
             </a:fld>
             <a:endParaRPr lang="zh-TW" altLang="en-US"/>
           </a:p>
@@ -2547,7 +2547,7 @@
           <a:p>
             <a:fld id="{0C0CC965-A63A-473D-BEFB-C8F9714D5269}" type="datetimeFigureOut">
               <a:rPr lang="zh-TW" altLang="en-US" smtClean="0"/>
-              <a:t>2024/12/12</a:t>
+              <a:t>2024/12/13</a:t>
             </a:fld>
             <a:endParaRPr lang="zh-TW" altLang="en-US"/>
           </a:p>
@@ -2911,7 +2911,7 @@
           <a:p>
             <a:fld id="{0C0CC965-A63A-473D-BEFB-C8F9714D5269}" type="datetimeFigureOut">
               <a:rPr lang="zh-TW" altLang="en-US" smtClean="0"/>
-              <a:t>2024/12/12</a:t>
+              <a:t>2024/12/13</a:t>
             </a:fld>
             <a:endParaRPr lang="zh-TW" altLang="en-US"/>
           </a:p>
@@ -3028,7 +3028,7 @@
           <a:p>
             <a:fld id="{0C0CC965-A63A-473D-BEFB-C8F9714D5269}" type="datetimeFigureOut">
               <a:rPr lang="zh-TW" altLang="en-US" smtClean="0"/>
-              <a:t>2024/12/12</a:t>
+              <a:t>2024/12/13</a:t>
             </a:fld>
             <a:endParaRPr lang="zh-TW" altLang="en-US"/>
           </a:p>
@@ -3123,7 +3123,7 @@
           <a:p>
             <a:fld id="{0C0CC965-A63A-473D-BEFB-C8F9714D5269}" type="datetimeFigureOut">
               <a:rPr lang="zh-TW" altLang="en-US" smtClean="0"/>
-              <a:t>2024/12/12</a:t>
+              <a:t>2024/12/13</a:t>
             </a:fld>
             <a:endParaRPr lang="zh-TW" altLang="en-US"/>
           </a:p>
@@ -3398,7 +3398,7 @@
           <a:p>
             <a:fld id="{0C0CC965-A63A-473D-BEFB-C8F9714D5269}" type="datetimeFigureOut">
               <a:rPr lang="zh-TW" altLang="en-US" smtClean="0"/>
-              <a:t>2024/12/12</a:t>
+              <a:t>2024/12/13</a:t>
             </a:fld>
             <a:endParaRPr lang="zh-TW" altLang="en-US"/>
           </a:p>
@@ -3650,7 +3650,7 @@
           <a:p>
             <a:fld id="{0C0CC965-A63A-473D-BEFB-C8F9714D5269}" type="datetimeFigureOut">
               <a:rPr lang="zh-TW" altLang="en-US" smtClean="0"/>
-              <a:t>2024/12/12</a:t>
+              <a:t>2024/12/13</a:t>
             </a:fld>
             <a:endParaRPr lang="zh-TW" altLang="en-US"/>
           </a:p>
@@ -3864,7 +3864,7 @@
             <a:fld id="{0C0CC965-A63A-473D-BEFB-C8F9714D5269}" type="datetimeFigureOut">
               <a:rPr lang="zh-TW" altLang="en-US" smtClean="0"/>
               <a:pPr/>
-              <a:t>2024/12/12</a:t>
+              <a:t>2024/12/13</a:t>
             </a:fld>
             <a:endParaRPr lang="zh-TW" altLang="en-US"/>
           </a:p>
@@ -5737,23 +5737,35 @@
             </a:r>
             <a:r>
               <a:rPr lang="zh-TW" altLang="en-US" dirty="0"/>
-              <a:t>：畫時序圖沒考慮到</a:t>
-            </a:r>
-            <a:r>
-              <a:rPr lang="en-US" altLang="zh-TW" dirty="0"/>
-              <a:t>state</a:t>
-            </a:r>
-            <a:r>
-              <a:rPr lang="zh-TW" altLang="en-US" dirty="0"/>
-              <a:t>下個</a:t>
-            </a:r>
-            <a:r>
-              <a:rPr lang="en-US" altLang="zh-TW" dirty="0" err="1"/>
-              <a:t>clk</a:t>
-            </a:r>
-            <a:r>
-              <a:rPr lang="zh-TW" altLang="en-US" dirty="0"/>
-              <a:t>才變化</a:t>
+              <a:t>：</a:t>
+            </a:r>
+            <a:r>
+              <a:rPr lang="en-US" altLang="zh-TW" dirty="0">
+                <a:latin typeface="Times New Roman" panose="02020603050405020304" pitchFamily="18" charset="0"/>
+                <a:ea typeface="標楷體" panose="03000509000000000000" pitchFamily="65" charset="-120"/>
+              </a:rPr>
+              <a:t> case </a:t>
+            </a:r>
+            <a:r>
+              <a:rPr lang="zh-TW" altLang="en-US" dirty="0">
+                <a:latin typeface="Times New Roman" panose="02020603050405020304" pitchFamily="18" charset="0"/>
+                <a:ea typeface="標楷體" panose="03000509000000000000" pitchFamily="65" charset="-120"/>
+              </a:rPr>
+              <a:t>沒有寫</a:t>
+            </a:r>
+            <a:r>
+              <a:rPr lang="en-US" altLang="zh-TW" dirty="0">
+                <a:latin typeface="Times New Roman" panose="02020603050405020304" pitchFamily="18" charset="0"/>
+                <a:ea typeface="標楷體" panose="03000509000000000000" pitchFamily="65" charset="-120"/>
+              </a:rPr>
+              <a:t>others</a:t>
+            </a:r>
+            <a:r>
+              <a:rPr lang="zh-TW" altLang="en-US" dirty="0">
+                <a:latin typeface="Times New Roman" panose="02020603050405020304" pitchFamily="18" charset="0"/>
+                <a:ea typeface="標楷體" panose="03000509000000000000" pitchFamily="65" charset="-120"/>
+              </a:rPr>
+              <a:t>情況出現問題</a:t>
             </a:r>
             <a:r>
               <a:rPr lang="en-US" altLang="zh-TW" dirty="0"/>
@@ -5776,7 +5788,67 @@
             </a:r>
             <a:r>
               <a:rPr lang="zh-TW" altLang="en-US" dirty="0"/>
-              <a:t>：先看錯誤報告，去找什麼問題，查資料找怎麼轉換格式</a:t>
+              <a:t>：</a:t>
+            </a:r>
+            <a:r>
+              <a:rPr lang="en-US" altLang="zh-TW" dirty="0" err="1"/>
+              <a:t>vivado</a:t>
+            </a:r>
+            <a:r>
+              <a:rPr lang="en-US" altLang="zh-TW" dirty="0"/>
+              <a:t> </a:t>
+            </a:r>
+            <a:r>
+              <a:rPr lang="zh-TW" altLang="en-US" dirty="0"/>
+              <a:t>預設要</a:t>
+            </a:r>
+            <a:r>
+              <a:rPr lang="zh-TW" altLang="en-US" b="0" i="0" dirty="0">
+                <a:solidFill>
+                  <a:srgbClr val="0D0D0D"/>
+                </a:solidFill>
+                <a:effectLst/>
+                <a:latin typeface="Segoe UI Variable Text" pitchFamily="2" charset="0"/>
+              </a:rPr>
+              <a:t>涵蓋了所有可能性所以要有</a:t>
+            </a:r>
+            <a:r>
+              <a:rPr lang="en-US" altLang="zh-TW" b="0" i="0" dirty="0">
+                <a:solidFill>
+                  <a:srgbClr val="0D0D0D"/>
+                </a:solidFill>
+                <a:effectLst/>
+                <a:latin typeface="Segoe UI Variable Text" pitchFamily="2" charset="0"/>
+              </a:rPr>
+              <a:t>others</a:t>
+            </a:r>
+            <a:r>
+              <a:rPr lang="zh-TW" altLang="en-US" b="0" i="0" dirty="0">
+                <a:solidFill>
+                  <a:srgbClr val="0D0D0D"/>
+                </a:solidFill>
+                <a:effectLst/>
+                <a:latin typeface="Segoe UI Variable Text" pitchFamily="2" charset="0"/>
+              </a:rPr>
+              <a:t>，也知道</a:t>
+            </a:r>
+            <a:r>
+              <a:rPr lang="en-US" altLang="zh-TW" dirty="0">
+                <a:solidFill>
+                  <a:srgbClr val="0D0D0D"/>
+                </a:solidFill>
+                <a:latin typeface="Segoe UI Variable Text" pitchFamily="2" charset="0"/>
+              </a:rPr>
+              <a:t>others</a:t>
+            </a:r>
+            <a:r>
+              <a:rPr lang="zh-TW" altLang="en-US" dirty="0">
+                <a:solidFill>
+                  <a:srgbClr val="0D0D0D"/>
+                </a:solidFill>
+                <a:latin typeface="Segoe UI Variable Text" pitchFamily="2" charset="0"/>
+              </a:rPr>
+              <a:t>是為了穩定性</a:t>
             </a:r>
             <a:br>
               <a:rPr lang="en-US" altLang="zh-TW" dirty="0"/>
@@ -5838,8 +5910,8 @@
         </p:nvSpPr>
         <p:spPr>
           <a:xfrm>
-            <a:off x="9533839" y="3228951"/>
-            <a:ext cx="1608134" cy="369332"/>
+            <a:off x="1318831" y="2448884"/>
+            <a:ext cx="3089307" cy="369332"/>
           </a:xfrm>
           <a:prstGeom prst="rect">
             <a:avLst/>
@@ -5871,24 +5943,38 @@
                 <a:latin typeface="Times New Roman" panose="02020603050405020304" pitchFamily="18" charset="0"/>
                 <a:ea typeface="標楷體" panose="03000509000000000000" pitchFamily="65" charset="-120"/>
               </a:rPr>
-              <a:t>1]</a:t>
+              <a:t>1]case </a:t>
             </a:r>
             <a:r>
               <a:rPr lang="zh-TW" altLang="en-US" dirty="0">
                 <a:latin typeface="Times New Roman" panose="02020603050405020304" pitchFamily="18" charset="0"/>
                 <a:ea typeface="標楷體" panose="03000509000000000000" pitchFamily="65" charset="-120"/>
               </a:rPr>
-              <a:t>格式問題</a:t>
+              <a:t>沒有</a:t>
+            </a:r>
+            <a:r>
+              <a:rPr lang="en-US" altLang="zh-TW" dirty="0">
+                <a:latin typeface="Times New Roman" panose="02020603050405020304" pitchFamily="18" charset="0"/>
+                <a:ea typeface="標楷體" panose="03000509000000000000" pitchFamily="65" charset="-120"/>
+              </a:rPr>
+              <a:t>others</a:t>
+            </a:r>
+            <a:r>
+              <a:rPr lang="zh-TW" altLang="en-US" dirty="0">
+                <a:latin typeface="Times New Roman" panose="02020603050405020304" pitchFamily="18" charset="0"/>
+                <a:ea typeface="標楷體" panose="03000509000000000000" pitchFamily="65" charset="-120"/>
+              </a:rPr>
+              <a:t>情況問題</a:t>
             </a:r>
           </a:p>
         </p:txBody>
       </p:sp>
       <p:pic>
         <p:nvPicPr>
-          <p:cNvPr id="5" name="圖片 4">
+          <p:cNvPr id="6" name="圖片 5">
             <a:extLst>
               <a:ext uri="{FF2B5EF4-FFF2-40B4-BE49-F238E27FC236}">
-                <a16:creationId xmlns:a16="http://schemas.microsoft.com/office/drawing/2014/main" id="{9874D886-BA0C-9E6B-C4D6-014D0669E03D}"/>
+                <a16:creationId xmlns:a16="http://schemas.microsoft.com/office/drawing/2014/main" id="{45465C2F-9282-5CDE-A2B9-E06A9FBFCA9C}"/>
               </a:ext>
             </a:extLst>
           </p:cNvPr>
@@ -5899,142 +5985,20 @@
         </p:nvPicPr>
         <p:blipFill>
           <a:blip r:embed="rId3"/>
-          <a:srcRect l="591" t="-31876" r="-591" b="31876"/>
-          <a:stretch/>
+          <a:stretch>
+            <a:fillRect/>
+          </a:stretch>
         </p:blipFill>
         <p:spPr>
           <a:xfrm>
-            <a:off x="882338" y="1747567"/>
-            <a:ext cx="7467025" cy="191239"/>
+            <a:off x="882337" y="1959241"/>
+            <a:ext cx="10471463" cy="372918"/>
           </a:xfrm>
           <a:prstGeom prst="rect">
             <a:avLst/>
           </a:prstGeom>
         </p:spPr>
       </p:pic>
-      <p:grpSp>
-        <p:nvGrpSpPr>
-          <p:cNvPr id="25" name="群組 24">
-            <a:extLst>
-              <a:ext uri="{FF2B5EF4-FFF2-40B4-BE49-F238E27FC236}">
-                <a16:creationId xmlns:a16="http://schemas.microsoft.com/office/drawing/2014/main" id="{F609BB2A-CB55-BEF3-D9F1-5679263ECBB0}"/>
-              </a:ext>
-            </a:extLst>
-          </p:cNvPr>
-          <p:cNvGrpSpPr/>
-          <p:nvPr/>
-        </p:nvGrpSpPr>
-        <p:grpSpPr>
-          <a:xfrm>
-            <a:off x="9381163" y="1305636"/>
-            <a:ext cx="1905266" cy="1819529"/>
-            <a:chOff x="6891122" y="2152702"/>
-            <a:chExt cx="1905266" cy="1819529"/>
-          </a:xfrm>
-        </p:grpSpPr>
-        <p:pic>
-          <p:nvPicPr>
-            <p:cNvPr id="24" name="圖片 23">
-              <a:extLst>
-                <a:ext uri="{FF2B5EF4-FFF2-40B4-BE49-F238E27FC236}">
-                  <a16:creationId xmlns:a16="http://schemas.microsoft.com/office/drawing/2014/main" id="{3CFB0017-3DDC-550D-E082-68E14512A9C1}"/>
-                </a:ext>
-              </a:extLst>
-            </p:cNvPr>
-            <p:cNvPicPr>
-              <a:picLocks noChangeAspect="1"/>
-            </p:cNvPicPr>
-            <p:nvPr/>
-          </p:nvPicPr>
-          <p:blipFill>
-            <a:blip r:embed="rId4"/>
-            <a:stretch>
-              <a:fillRect/>
-            </a:stretch>
-          </p:blipFill>
-          <p:spPr>
-            <a:xfrm>
-              <a:off x="6891122" y="2152702"/>
-              <a:ext cx="1905266" cy="1819529"/>
-            </a:xfrm>
-            <a:prstGeom prst="rect">
-              <a:avLst/>
-            </a:prstGeom>
-          </p:spPr>
-        </p:pic>
-        <p:sp>
-          <p:nvSpPr>
-            <p:cNvPr id="19" name="文字方塊 18">
-              <a:extLst>
-                <a:ext uri="{FF2B5EF4-FFF2-40B4-BE49-F238E27FC236}">
-                  <a16:creationId xmlns:a16="http://schemas.microsoft.com/office/drawing/2014/main" id="{812E2FC0-7249-32B3-1FFE-493E8679E69E}"/>
-                </a:ext>
-              </a:extLst>
-            </p:cNvPr>
-            <p:cNvSpPr txBox="1"/>
-            <p:nvPr/>
-          </p:nvSpPr>
-          <p:spPr>
-            <a:xfrm>
-              <a:off x="8003791" y="2865174"/>
-              <a:ext cx="393056" cy="338554"/>
-            </a:xfrm>
-            <a:prstGeom prst="rect">
-              <a:avLst/>
-            </a:prstGeom>
-            <a:noFill/>
-          </p:spPr>
-          <p:txBody>
-            <a:bodyPr wrap="none" rtlCol="0">
-              <a:spAutoFit/>
-            </a:bodyPr>
-            <a:lstStyle/>
-            <a:p>
-              <a:r>
-                <a:rPr lang="en-US" altLang="zh-TW" sz="1600" dirty="0"/>
-                <a:t>15</a:t>
-              </a:r>
-              <a:endParaRPr lang="zh-TW" altLang="en-US" sz="1600" dirty="0"/>
-            </a:p>
-          </p:txBody>
-        </p:sp>
-        <p:sp>
-          <p:nvSpPr>
-            <p:cNvPr id="26" name="文字方塊 25">
-              <a:extLst>
-                <a:ext uri="{FF2B5EF4-FFF2-40B4-BE49-F238E27FC236}">
-                  <a16:creationId xmlns:a16="http://schemas.microsoft.com/office/drawing/2014/main" id="{88BA5E0E-271A-D603-0F62-E02FEF5518A3}"/>
-                </a:ext>
-              </a:extLst>
-            </p:cNvPr>
-            <p:cNvSpPr txBox="1"/>
-            <p:nvPr/>
-          </p:nvSpPr>
-          <p:spPr>
-            <a:xfrm>
-              <a:off x="7020565" y="3429000"/>
-              <a:ext cx="393056" cy="338554"/>
-            </a:xfrm>
-            <a:prstGeom prst="rect">
-              <a:avLst/>
-            </a:prstGeom>
-            <a:noFill/>
-          </p:spPr>
-          <p:txBody>
-            <a:bodyPr wrap="none" rtlCol="0">
-              <a:spAutoFit/>
-            </a:bodyPr>
-            <a:lstStyle/>
-            <a:p>
-              <a:r>
-                <a:rPr lang="en-US" altLang="zh-TW" sz="1600" dirty="0"/>
-                <a:t>15</a:t>
-              </a:r>
-              <a:endParaRPr lang="zh-TW" altLang="en-US" sz="1600" dirty="0"/>
-            </a:p>
-          </p:txBody>
-        </p:sp>
-      </p:grpSp>
     </p:spTree>
     <p:extLst>
       <p:ext uri="{BB962C8B-B14F-4D97-AF65-F5344CB8AC3E}">

--- a/專案進度報告_陳冠華_20241213.pptx
+++ b/專案進度報告_陳冠華_20241213.pptx
@@ -4733,6 +4733,94 @@
           </a:prstGeom>
         </p:spPr>
       </p:pic>
+      <p:sp>
+        <p:nvSpPr>
+          <p:cNvPr id="2" name="文字方塊 1">
+            <a:extLst>
+              <a:ext uri="{FF2B5EF4-FFF2-40B4-BE49-F238E27FC236}">
+                <a16:creationId xmlns:a16="http://schemas.microsoft.com/office/drawing/2014/main" id="{49183C8C-938F-03F0-5BD4-37E515AA8CD7}"/>
+              </a:ext>
+            </a:extLst>
+          </p:cNvPr>
+          <p:cNvSpPr txBox="1"/>
+          <p:nvPr/>
+        </p:nvSpPr>
+        <p:spPr>
+          <a:xfrm>
+            <a:off x="5786284" y="2256503"/>
+            <a:ext cx="914400" cy="369332"/>
+          </a:xfrm>
+          <a:prstGeom prst="rect">
+            <a:avLst/>
+          </a:prstGeom>
+          <a:noFill/>
+        </p:spPr>
+        <p:txBody>
+          <a:bodyPr wrap="square" rtlCol="0">
+            <a:spAutoFit/>
+          </a:bodyPr>
+          <a:lstStyle/>
+          <a:p>
+            <a:r>
+              <a:rPr lang="en-US" altLang="zh-TW" dirty="0"/>
+              <a:t>16</a:t>
+            </a:r>
+            <a:r>
+              <a:rPr lang="zh-TW" altLang="en-US" dirty="0"/>
+              <a:t> </a:t>
+            </a:r>
+            <a:r>
+              <a:rPr lang="en-US" altLang="zh-TW" dirty="0" err="1"/>
+              <a:t>clk</a:t>
+            </a:r>
+            <a:endParaRPr lang="zh-TW" altLang="en-US" dirty="0"/>
+          </a:p>
+        </p:txBody>
+      </p:sp>
+      <p:sp>
+        <p:nvSpPr>
+          <p:cNvPr id="5" name="文字方塊 4">
+            <a:extLst>
+              <a:ext uri="{FF2B5EF4-FFF2-40B4-BE49-F238E27FC236}">
+                <a16:creationId xmlns:a16="http://schemas.microsoft.com/office/drawing/2014/main" id="{FFCA16AC-B51D-0607-487B-71AA2FCBA4EB}"/>
+              </a:ext>
+            </a:extLst>
+          </p:cNvPr>
+          <p:cNvSpPr txBox="1"/>
+          <p:nvPr/>
+        </p:nvSpPr>
+        <p:spPr>
+          <a:xfrm>
+            <a:off x="8259096" y="2256503"/>
+            <a:ext cx="914400" cy="369332"/>
+          </a:xfrm>
+          <a:prstGeom prst="rect">
+            <a:avLst/>
+          </a:prstGeom>
+          <a:noFill/>
+        </p:spPr>
+        <p:txBody>
+          <a:bodyPr wrap="square" rtlCol="0">
+            <a:spAutoFit/>
+          </a:bodyPr>
+          <a:lstStyle/>
+          <a:p>
+            <a:r>
+              <a:rPr lang="en-US" altLang="zh-TW" dirty="0"/>
+              <a:t>16</a:t>
+            </a:r>
+            <a:r>
+              <a:rPr lang="zh-TW" altLang="en-US" dirty="0"/>
+              <a:t> </a:t>
+            </a:r>
+            <a:r>
+              <a:rPr lang="en-US" altLang="zh-TW" dirty="0" err="1"/>
+              <a:t>clk</a:t>
+            </a:r>
+            <a:endParaRPr lang="zh-TW" altLang="en-US" dirty="0"/>
+          </a:p>
+        </p:txBody>
+      </p:sp>
     </p:spTree>
     <p:extLst>
       <p:ext uri="{BB962C8B-B14F-4D97-AF65-F5344CB8AC3E}">
@@ -5511,7 +5599,7 @@
         </p:nvSpPr>
         <p:spPr>
           <a:xfrm>
-            <a:off x="2042160" y="2103120"/>
+            <a:off x="1737419" y="2103120"/>
             <a:ext cx="4838700" cy="2172310"/>
           </a:xfrm>
           <a:prstGeom prst="rect">
@@ -5603,7 +5691,7 @@
         </p:nvSpPr>
         <p:spPr>
           <a:xfrm>
-            <a:off x="6896100" y="2103120"/>
+            <a:off x="6650294" y="2103120"/>
             <a:ext cx="4922520" cy="2172310"/>
           </a:xfrm>
           <a:prstGeom prst="rect">
@@ -5848,7 +5936,16 @@
                 </a:solidFill>
                 <a:latin typeface="Segoe UI Variable Text" pitchFamily="2" charset="0"/>
               </a:rPr>
-              <a:t>是為了穩定性</a:t>
+              <a:t>是為了像</a:t>
+            </a:r>
+            <a:r>
+              <a:rPr lang="en-US" altLang="zh-TW" dirty="0">
+                <a:solidFill>
+                  <a:srgbClr val="0D0D0D"/>
+                </a:solidFill>
+                <a:latin typeface="Segoe UI Variable Text" pitchFamily="2" charset="0"/>
+              </a:rPr>
+              <a:t>’U’,’X’,’Z’,’-’</a:t>
             </a:r>
             <a:br>
               <a:rPr lang="en-US" altLang="zh-TW" dirty="0"/>
@@ -6050,99 +6147,29 @@
           <a:lstStyle/>
           <a:p>
             <a:r>
+              <a:rPr lang="en-US" altLang="zh-TW" sz="2000" dirty="0">
+                <a:cs typeface="Times New Roman" panose="02020603050405020304" pitchFamily="18" charset="0"/>
+              </a:rPr>
+              <a:t>AMD </a:t>
+            </a:r>
+            <a:r>
               <a:rPr lang="zh-TW" altLang="en-US" sz="2000" dirty="0">
                 <a:cs typeface="Times New Roman" panose="02020603050405020304" pitchFamily="18" charset="0"/>
               </a:rPr>
-              <a:t>書</a:t>
+              <a:t>網站的語法範例 </a:t>
+            </a:r>
+            <a:r>
+              <a:rPr lang="en-US" altLang="zh-TW" sz="1400" dirty="0">
+                <a:cs typeface="Times New Roman" panose="02020603050405020304" pitchFamily="18" charset="0"/>
+              </a:rPr>
+              <a:t>(https://docs.amd.com/r/en-US/ug901-vivado-synthesis/Using-case-Statements)</a:t>
             </a:r>
             <a:endParaRPr lang="en-US" altLang="zh-TW" sz="2000" dirty="0">
               <a:cs typeface="Times New Roman" panose="02020603050405020304" pitchFamily="18" charset="0"/>
             </a:endParaRPr>
           </a:p>
           <a:p>
-            <a:pPr marL="457200" lvl="1" indent="0">
-              <a:buNone/>
-            </a:pPr>
-            <a:r>
-              <a:rPr lang="zh-TW" altLang="en-US" sz="2000" dirty="0">
-                <a:cs typeface="Times New Roman" panose="02020603050405020304" pitchFamily="18" charset="0"/>
-              </a:rPr>
-              <a:t>最新</a:t>
-            </a:r>
-            <a:r>
-              <a:rPr lang="en-US" altLang="zh-TW" sz="2000" dirty="0">
-                <a:cs typeface="Times New Roman" panose="02020603050405020304" pitchFamily="18" charset="0"/>
-              </a:rPr>
-              <a:t>VHDL </a:t>
-            </a:r>
-            <a:r>
-              <a:rPr lang="zh-TW" altLang="en-US" sz="2000" dirty="0">
-                <a:cs typeface="Times New Roman" panose="02020603050405020304" pitchFamily="18" charset="0"/>
-              </a:rPr>
-              <a:t>晶片設計 作者</a:t>
-            </a:r>
-            <a:r>
-              <a:rPr lang="en-US" altLang="zh-TW" sz="2000" dirty="0">
-                <a:cs typeface="Times New Roman" panose="02020603050405020304" pitchFamily="18" charset="0"/>
-              </a:rPr>
-              <a:t>:</a:t>
-            </a:r>
-            <a:r>
-              <a:rPr lang="zh-TW" altLang="en-US" sz="2000" dirty="0">
-                <a:cs typeface="Times New Roman" panose="02020603050405020304" pitchFamily="18" charset="0"/>
-              </a:rPr>
-              <a:t>林灶生、劉紹漢</a:t>
-            </a:r>
-            <a:br>
-              <a:rPr lang="en-US" altLang="zh-TW" sz="2000" dirty="0">
-                <a:cs typeface="Times New Roman" panose="02020603050405020304" pitchFamily="18" charset="0"/>
-              </a:rPr>
-            </a:br>
-            <a:r>
-              <a:rPr lang="en-US" altLang="zh-TW" sz="2000" dirty="0">
-                <a:cs typeface="Times New Roman" panose="02020603050405020304" pitchFamily="18" charset="0"/>
-              </a:rPr>
-              <a:t>VHDL </a:t>
-            </a:r>
-            <a:r>
-              <a:rPr lang="zh-TW" altLang="en-US" sz="2000" dirty="0">
-                <a:cs typeface="Times New Roman" panose="02020603050405020304" pitchFamily="18" charset="0"/>
-              </a:rPr>
-              <a:t>入門 作者</a:t>
-            </a:r>
-            <a:r>
-              <a:rPr lang="en-US" altLang="zh-TW" sz="2000" dirty="0">
-                <a:cs typeface="Times New Roman" panose="02020603050405020304" pitchFamily="18" charset="0"/>
-              </a:rPr>
-              <a:t>:</a:t>
-            </a:r>
-            <a:r>
-              <a:rPr lang="zh-TW" altLang="en-US" sz="2000" dirty="0">
-                <a:cs typeface="Times New Roman" panose="02020603050405020304" pitchFamily="18" charset="0"/>
-              </a:rPr>
-              <a:t>坂卷佳壽美  編譯</a:t>
-            </a:r>
-            <a:r>
-              <a:rPr lang="en-US" altLang="zh-TW" sz="2000" dirty="0">
-                <a:cs typeface="Times New Roman" panose="02020603050405020304" pitchFamily="18" charset="0"/>
-              </a:rPr>
-              <a:t>:</a:t>
-            </a:r>
-            <a:r>
-              <a:rPr lang="zh-TW" altLang="en-US" sz="2000" dirty="0">
-                <a:cs typeface="Times New Roman" panose="02020603050405020304" pitchFamily="18" charset="0"/>
-              </a:rPr>
-              <a:t>刁建成</a:t>
-            </a:r>
             <a:endParaRPr lang="en-US" altLang="zh-TW" sz="2000" dirty="0">
-              <a:cs typeface="Times New Roman" panose="02020603050405020304" pitchFamily="18" charset="0"/>
-            </a:endParaRPr>
-          </a:p>
-          <a:p>
-            <a:pPr marL="457200" lvl="1" indent="0">
-              <a:buNone/>
-            </a:pPr>
-            <a:endParaRPr lang="zh-TW" altLang="en-US" dirty="0">
               <a:cs typeface="Times New Roman" panose="02020603050405020304" pitchFamily="18" charset="0"/>
             </a:endParaRPr>
           </a:p>
@@ -6158,35 +6185,62 @@
             </a:endParaRPr>
           </a:p>
           <a:p>
+            <a:pPr marL="0" indent="0">
+              <a:buNone/>
+            </a:pPr>
             <a:endParaRPr lang="en-US" altLang="zh-TW" dirty="0">
               <a:cs typeface="Times New Roman" panose="02020603050405020304" pitchFamily="18" charset="0"/>
             </a:endParaRPr>
           </a:p>
           <a:p>
-            <a:r>
-              <a:rPr lang="en-US" altLang="zh-TW" sz="2000" dirty="0">
-                <a:cs typeface="Times New Roman" panose="02020603050405020304" pitchFamily="18" charset="0"/>
-              </a:rPr>
-              <a:t>AMD </a:t>
-            </a:r>
-            <a:r>
-              <a:rPr lang="zh-TW" altLang="en-US" sz="2000" dirty="0">
-                <a:cs typeface="Times New Roman" panose="02020603050405020304" pitchFamily="18" charset="0"/>
-              </a:rPr>
-              <a:t>網站的語法範例 </a:t>
-            </a:r>
+            <a:endParaRPr lang="en-US" altLang="zh-TW" dirty="0">
+              <a:cs typeface="Times New Roman" panose="02020603050405020304" pitchFamily="18" charset="0"/>
+            </a:endParaRPr>
+          </a:p>
+          <a:p>
+            <a:endParaRPr lang="en-US" altLang="zh-TW" dirty="0">
+              <a:cs typeface="Times New Roman" panose="02020603050405020304" pitchFamily="18" charset="0"/>
+            </a:endParaRPr>
+          </a:p>
+          <a:p>
+            <a:endParaRPr lang="en-US" altLang="zh-TW" dirty="0">
+              <a:cs typeface="Times New Roman" panose="02020603050405020304" pitchFamily="18" charset="0"/>
+            </a:endParaRPr>
+          </a:p>
+          <a:p>
+            <a:endParaRPr lang="en-US" altLang="zh-TW" dirty="0">
+              <a:cs typeface="Times New Roman" panose="02020603050405020304" pitchFamily="18" charset="0"/>
+            </a:endParaRPr>
+          </a:p>
+          <a:p>
+            <a:endParaRPr lang="en-US" altLang="zh-TW" dirty="0">
+              <a:cs typeface="Times New Roman" panose="02020603050405020304" pitchFamily="18" charset="0"/>
+            </a:endParaRPr>
+          </a:p>
+          <a:p>
+            <a:endParaRPr lang="en-US" altLang="zh-TW" dirty="0">
+              <a:cs typeface="Times New Roman" panose="02020603050405020304" pitchFamily="18" charset="0"/>
+            </a:endParaRPr>
+          </a:p>
+          <a:p>
+            <a:endParaRPr lang="en-US" altLang="zh-TW" dirty="0">
+              <a:cs typeface="Times New Roman" panose="02020603050405020304" pitchFamily="18" charset="0"/>
+            </a:endParaRPr>
+          </a:p>
+          <a:p>
             <a:r>
               <a:rPr lang="en-US" altLang="zh-TW" dirty="0">
                 <a:cs typeface="Times New Roman" panose="02020603050405020304" pitchFamily="18" charset="0"/>
               </a:rPr>
-              <a:t>(https://docs.amd.com/r/en-US/ug901-vivado-synthesis/Using-case-Statements)</a:t>
-            </a:r>
-          </a:p>
-          <a:p>
-            <a:pPr marL="457200" lvl="1" indent="0">
-              <a:buNone/>
-            </a:pPr>
-            <a:endParaRPr lang="zh-TW" altLang="en-US" dirty="0">
+              <a:t>IEEE 1076-2008 VHDL</a:t>
+            </a:r>
+            <a:r>
+              <a:rPr lang="zh-TW" altLang="en-US" dirty="0">
+                <a:cs typeface="Times New Roman" panose="02020603050405020304" pitchFamily="18" charset="0"/>
+              </a:rPr>
+              <a:t>的規範檔</a:t>
+            </a:r>
+            <a:endParaRPr lang="en-US" altLang="zh-TW" dirty="0">
               <a:cs typeface="Times New Roman" panose="02020603050405020304" pitchFamily="18" charset="0"/>
             </a:endParaRPr>
           </a:p>
@@ -6214,6 +6268,96 @@
           </a:p>
         </p:txBody>
       </p:sp>
+      <p:pic>
+        <p:nvPicPr>
+          <p:cNvPr id="5" name="圖片 4">
+            <a:extLst>
+              <a:ext uri="{FF2B5EF4-FFF2-40B4-BE49-F238E27FC236}">
+                <a16:creationId xmlns:a16="http://schemas.microsoft.com/office/drawing/2014/main" id="{3876EC0B-4F30-6B7B-940C-F7C568ECD8B1}"/>
+              </a:ext>
+            </a:extLst>
+          </p:cNvPr>
+          <p:cNvPicPr>
+            <a:picLocks noChangeAspect="1"/>
+          </p:cNvPicPr>
+          <p:nvPr/>
+        </p:nvPicPr>
+        <p:blipFill>
+          <a:blip r:embed="rId2"/>
+          <a:stretch>
+            <a:fillRect/>
+          </a:stretch>
+        </p:blipFill>
+        <p:spPr>
+          <a:xfrm>
+            <a:off x="838200" y="2147726"/>
+            <a:ext cx="3465221" cy="323339"/>
+          </a:xfrm>
+          <a:prstGeom prst="rect">
+            <a:avLst/>
+          </a:prstGeom>
+        </p:spPr>
+      </p:pic>
+      <p:pic>
+        <p:nvPicPr>
+          <p:cNvPr id="7" name="圖片 6">
+            <a:extLst>
+              <a:ext uri="{FF2B5EF4-FFF2-40B4-BE49-F238E27FC236}">
+                <a16:creationId xmlns:a16="http://schemas.microsoft.com/office/drawing/2014/main" id="{924EE6B2-4DF6-F748-6A01-E906D5411E9D}"/>
+              </a:ext>
+            </a:extLst>
+          </p:cNvPr>
+          <p:cNvPicPr>
+            <a:picLocks noChangeAspect="1"/>
+          </p:cNvPicPr>
+          <p:nvPr/>
+        </p:nvPicPr>
+        <p:blipFill>
+          <a:blip r:embed="rId3"/>
+          <a:stretch>
+            <a:fillRect/>
+          </a:stretch>
+        </p:blipFill>
+        <p:spPr>
+          <a:xfrm>
+            <a:off x="4530436" y="2119545"/>
+            <a:ext cx="6001404" cy="2010592"/>
+          </a:xfrm>
+          <a:prstGeom prst="rect">
+            <a:avLst/>
+          </a:prstGeom>
+        </p:spPr>
+      </p:pic>
+      <p:pic>
+        <p:nvPicPr>
+          <p:cNvPr id="9" name="圖片 8">
+            <a:extLst>
+              <a:ext uri="{FF2B5EF4-FFF2-40B4-BE49-F238E27FC236}">
+                <a16:creationId xmlns:a16="http://schemas.microsoft.com/office/drawing/2014/main" id="{B01C0DF6-48B6-5F01-58AA-743378CB8175}"/>
+              </a:ext>
+            </a:extLst>
+          </p:cNvPr>
+          <p:cNvPicPr>
+            <a:picLocks noChangeAspect="1"/>
+          </p:cNvPicPr>
+          <p:nvPr/>
+        </p:nvPicPr>
+        <p:blipFill>
+          <a:blip r:embed="rId4"/>
+          <a:stretch>
+            <a:fillRect/>
+          </a:stretch>
+        </p:blipFill>
+        <p:spPr>
+          <a:xfrm>
+            <a:off x="1000880" y="4631535"/>
+            <a:ext cx="9178636" cy="1106693"/>
+          </a:xfrm>
+          <a:prstGeom prst="rect">
+            <a:avLst/>
+          </a:prstGeom>
+        </p:spPr>
+      </p:pic>
     </p:spTree>
     <p:extLst>
       <p:ext uri="{BB962C8B-B14F-4D97-AF65-F5344CB8AC3E}">
@@ -6301,7 +6445,7 @@
         </p:nvSpPr>
         <p:spPr>
           <a:xfrm>
-            <a:off x="6968582" y="5453644"/>
+            <a:off x="7456955" y="6488668"/>
             <a:ext cx="3678636" cy="369332"/>
           </a:xfrm>
           <a:prstGeom prst="rect">
@@ -6327,10 +6471,10 @@
       </p:sp>
       <p:pic>
         <p:nvPicPr>
-          <p:cNvPr id="6" name="圖片 5">
+          <p:cNvPr id="5" name="圖片 4">
             <a:extLst>
               <a:ext uri="{FF2B5EF4-FFF2-40B4-BE49-F238E27FC236}">
-                <a16:creationId xmlns:a16="http://schemas.microsoft.com/office/drawing/2014/main" id="{1B111B9C-9C47-8FBF-F958-08E9AECEA897}"/>
+                <a16:creationId xmlns:a16="http://schemas.microsoft.com/office/drawing/2014/main" id="{EF3861C8-9679-5349-822D-1405D024DD0C}"/>
               </a:ext>
             </a:extLst>
           </p:cNvPr>
@@ -6347,8 +6491,8 @@
         </p:blipFill>
         <p:spPr>
           <a:xfrm>
-            <a:off x="2386272" y="1317957"/>
-            <a:ext cx="3193645" cy="4840110"/>
+            <a:off x="1049482" y="1172037"/>
+            <a:ext cx="10093036" cy="5021901"/>
           </a:xfrm>
           <a:prstGeom prst="rect">
             <a:avLst/>
@@ -6893,9 +7037,11 @@
             <a:endParaRPr lang="en-US" altLang="zh-TW" b="1" dirty="0"/>
           </a:p>
           <a:p>
-            <a:pPr marL="0" lvl="1" indent="0">
-              <a:buNone/>
-            </a:pPr>
+            <a:pPr marL="144000" lvl="1" indent="-144000"/>
+            <a:r>
+              <a:rPr lang="zh-TW" altLang="en-US" dirty="0"/>
+              <a:t>第三題完成</a:t>
+            </a:r>
             <a:endParaRPr lang="en-US" altLang="zh-TW" dirty="0"/>
           </a:p>
           <a:p>
